--- a/SE401/Lectures/9-Testing Metrics and Tools/Code Coverage.pptx
+++ b/SE401/Lectures/9-Testing Metrics and Tools/Code Coverage.pptx
@@ -5,7 +5,7 @@
     <p:sldMasterId id="2147483648" r:id="rId1"/>
   </p:sldMasterIdLst>
   <p:notesMasterIdLst>
-    <p:notesMasterId r:id="rId29"/>
+    <p:notesMasterId r:id="rId28"/>
   </p:notesMasterIdLst>
   <p:sldIdLst>
     <p:sldId id="256" r:id="rId2"/>
@@ -33,8 +33,7 @@
     <p:sldId id="481" r:id="rId24"/>
     <p:sldId id="482" r:id="rId25"/>
     <p:sldId id="483" r:id="rId26"/>
-    <p:sldId id="484" r:id="rId27"/>
-    <p:sldId id="470" r:id="rId28"/>
+    <p:sldId id="470" r:id="rId27"/>
   </p:sldIdLst>
   <p:sldSz cx="12192000" cy="6858000"/>
   <p:notesSz cx="6858000" cy="9144000"/>
@@ -223,7 +222,7 @@
           <a:p>
             <a:fld id="{41DA9887-9249-49FD-809A-BACB264048C3}" type="datetimeFigureOut">
               <a:rPr lang="en-US" smtClean="0"/>
-              <a:t>11/25/2021</a:t>
+              <a:t>5/11/2022</a:t>
             </a:fld>
             <a:endParaRPr lang="en-US"/>
           </a:p>
@@ -628,7 +627,7 @@
           <a:p>
             <a:fld id="{346A169F-A128-48E5-9FD3-54999F1E234B}" type="datetime1">
               <a:rPr lang="en-US" smtClean="0"/>
-              <a:t>11/25/2021</a:t>
+              <a:t>5/11/2022</a:t>
             </a:fld>
             <a:endParaRPr lang="en-US"/>
           </a:p>
@@ -879,7 +878,7 @@
           <a:p>
             <a:fld id="{4A5408B7-52DA-466D-B0E6-5815A08BE0D4}" type="datetime1">
               <a:rPr lang="en-US" smtClean="0"/>
-              <a:t>11/25/2021</a:t>
+              <a:t>5/11/2022</a:t>
             </a:fld>
             <a:endParaRPr lang="en-US"/>
           </a:p>
@@ -1059,7 +1058,7 @@
           <a:p>
             <a:fld id="{F66A3957-4942-485A-B952-8371730AC767}" type="datetime1">
               <a:rPr lang="en-US" smtClean="0"/>
-              <a:t>11/25/2021</a:t>
+              <a:t>5/11/2022</a:t>
             </a:fld>
             <a:endParaRPr lang="en-US"/>
           </a:p>
@@ -1315,7 +1314,7 @@
           <a:p>
             <a:fld id="{A27BE3C8-F7F8-4BB8-8084-AE37994261FA}" type="datetime1">
               <a:rPr lang="en-US" smtClean="0"/>
-              <a:t>11/25/2021</a:t>
+              <a:t>5/11/2022</a:t>
             </a:fld>
             <a:endParaRPr lang="en-US"/>
           </a:p>
@@ -1660,7 +1659,7 @@
           <a:p>
             <a:fld id="{0A51A3A9-C698-4FFD-9575-110129785A47}" type="datetime1">
               <a:rPr lang="en-US" smtClean="0"/>
-              <a:t>11/25/2021</a:t>
+              <a:t>5/11/2022</a:t>
             </a:fld>
             <a:endParaRPr lang="en-US"/>
           </a:p>
@@ -1892,7 +1891,7 @@
           <a:p>
             <a:fld id="{B61F4251-3701-462C-84E6-C950BA71E5CF}" type="datetime1">
               <a:rPr lang="en-US" smtClean="0"/>
-              <a:t>11/25/2021</a:t>
+              <a:t>5/11/2022</a:t>
             </a:fld>
             <a:endParaRPr lang="en-US"/>
           </a:p>
@@ -2259,7 +2258,7 @@
           <a:p>
             <a:fld id="{E28AAFFA-0CC0-46DA-A1D4-6E6A2072B8EF}" type="datetime1">
               <a:rPr lang="en-US" smtClean="0"/>
-              <a:t>11/25/2021</a:t>
+              <a:t>5/11/2022</a:t>
             </a:fld>
             <a:endParaRPr lang="en-US"/>
           </a:p>
@@ -2354,7 +2353,7 @@
           <a:p>
             <a:fld id="{CC49CA8B-B0FA-45AD-A5A0-B6687CB6878F}" type="datetime1">
               <a:rPr lang="en-US" smtClean="0"/>
-              <a:t>11/25/2021</a:t>
+              <a:t>5/11/2022</a:t>
             </a:fld>
             <a:endParaRPr lang="en-US"/>
           </a:p>
@@ -2577,7 +2576,7 @@
             <a:fld id="{B2F5E2FA-C428-4CE7-95B0-168D3259A5BB}" type="datetimeFigureOut">
               <a:rPr lang="en-US" smtClean="0"/>
               <a:pPr/>
-              <a:t>11/25/2021</a:t>
+              <a:t>5/11/2022</a:t>
             </a:fld>
             <a:endParaRPr lang="en-US"/>
           </a:p>
@@ -2748,7 +2747,7 @@
           <a:p>
             <a:fld id="{EBAE14C3-5789-4FA7-958B-CF7FB3823029}" type="datetime1">
               <a:rPr lang="en-US" smtClean="0"/>
-              <a:t>11/25/2021</a:t>
+              <a:t>5/11/2022</a:t>
             </a:fld>
             <a:endParaRPr lang="en-US"/>
           </a:p>
@@ -3025,7 +3024,7 @@
           <a:p>
             <a:fld id="{B23C9201-69FF-4757-B4F9-37BB0E684B69}" type="datetime1">
               <a:rPr lang="en-US" smtClean="0"/>
-              <a:t>11/25/2021</a:t>
+              <a:t>5/11/2022</a:t>
             </a:fld>
             <a:endParaRPr lang="en-US"/>
           </a:p>
@@ -3278,7 +3277,7 @@
           <a:p>
             <a:fld id="{C0C7AC9A-5E67-4AED-A5F1-DE91CEC01BFC}" type="datetime1">
               <a:rPr lang="en-US" smtClean="0"/>
-              <a:t>11/25/2021</a:t>
+              <a:t>5/11/2022</a:t>
             </a:fld>
             <a:endParaRPr lang="en-US"/>
           </a:p>
@@ -3491,7 +3490,7 @@
           <a:p>
             <a:fld id="{F7CF3E35-380C-4FA8-87B6-E8EADD975BAF}" type="datetime1">
               <a:rPr lang="en-US" smtClean="0"/>
-              <a:t>11/25/2021</a:t>
+              <a:t>5/11/2022</a:t>
             </a:fld>
             <a:endParaRPr lang="en-US"/>
           </a:p>
@@ -4705,11 +4704,7 @@
             <a:pPr lvl="1"/>
             <a:r>
               <a:rPr lang="en-US" dirty="0" smtClean="0"/>
-              <a:t>but </a:t>
-            </a:r>
-            <a:r>
-              <a:rPr lang="en-US" dirty="0" smtClean="0"/>
-              <a:t>experience </a:t>
+              <a:t>but experience </a:t>
             </a:r>
             <a:r>
               <a:rPr lang="en-US" dirty="0"/>
@@ -6513,101 +6508,6 @@
       </p:grpSpPr>
       <p:sp>
         <p:nvSpPr>
-          <p:cNvPr id="4" name="Slide Number Placeholder 3"/>
-          <p:cNvSpPr>
-            <a:spLocks noGrp="1"/>
-          </p:cNvSpPr>
-          <p:nvPr>
-            <p:ph type="sldNum" sz="quarter" idx="12"/>
-          </p:nvPr>
-        </p:nvSpPr>
-        <p:spPr/>
-        <p:txBody>
-          <a:bodyPr/>
-          <a:lstStyle/>
-          <a:p>
-            <a:fld id="{B8DACC02-A2BD-4578-8E03-6D891060A695}" type="slidenum">
-              <a:rPr lang="en-US" smtClean="0"/>
-              <a:pPr/>
-              <a:t>26</a:t>
-            </a:fld>
-            <a:endParaRPr lang="en-US" dirty="0"/>
-          </a:p>
-        </p:txBody>
-      </p:sp>
-      <p:pic>
-        <p:nvPicPr>
-          <p:cNvPr id="1026" name="Picture 2" descr="Qa Questions And Answers Black Icon Stock Illustration - Download Image Now  - iStock"/>
-          <p:cNvPicPr>
-            <a:picLocks noChangeAspect="1" noChangeArrowheads="1"/>
-          </p:cNvPicPr>
-          <p:nvPr/>
-        </p:nvPicPr>
-        <p:blipFill>
-          <a:blip r:embed="rId2">
-            <a:extLst>
-              <a:ext uri="{28A0092B-C50C-407E-A947-70E740481C1C}">
-                <a14:useLocalDpi xmlns:a14="http://schemas.microsoft.com/office/drawing/2010/main" val="0"/>
-              </a:ext>
-            </a:extLst>
-          </a:blip>
-          <a:srcRect/>
-          <a:stretch>
-            <a:fillRect/>
-          </a:stretch>
-        </p:blipFill>
-        <p:spPr bwMode="auto">
-          <a:xfrm>
-            <a:off x="3321469" y="1877024"/>
-            <a:ext cx="5114925" cy="3067050"/>
-          </a:xfrm>
-          <a:prstGeom prst="rect">
-            <a:avLst/>
-          </a:prstGeom>
-          <a:noFill/>
-          <a:extLst>
-            <a:ext uri="{909E8E84-426E-40DD-AFC4-6F175D3DCCD1}">
-              <a14:hiddenFill xmlns:a14="http://schemas.microsoft.com/office/drawing/2010/main">
-                <a:solidFill>
-                  <a:srgbClr val="FFFFFF"/>
-                </a:solidFill>
-              </a14:hiddenFill>
-            </a:ext>
-          </a:extLst>
-        </p:spPr>
-      </p:pic>
-    </p:spTree>
-    <p:extLst>
-      <p:ext uri="{BB962C8B-B14F-4D97-AF65-F5344CB8AC3E}">
-        <p14:creationId xmlns:p14="http://schemas.microsoft.com/office/powerpoint/2010/main" val="2587613203"/>
-      </p:ext>
-    </p:extLst>
-  </p:cSld>
-  <p:clrMapOvr>
-    <a:masterClrMapping/>
-  </p:clrMapOvr>
-</p:sld>
-</file>
-
-<file path=ppt/slides/slide27.xml><?xml version="1.0" encoding="utf-8"?>
-<p:sld xmlns:a="http://schemas.openxmlformats.org/drawingml/2006/main" xmlns:r="http://schemas.openxmlformats.org/officeDocument/2006/relationships" xmlns:p="http://schemas.openxmlformats.org/presentationml/2006/main">
-  <p:cSld>
-    <p:spTree>
-      <p:nvGrpSpPr>
-        <p:cNvPr id="1" name=""/>
-        <p:cNvGrpSpPr/>
-        <p:nvPr/>
-      </p:nvGrpSpPr>
-      <p:grpSpPr>
-        <a:xfrm>
-          <a:off x="0" y="0"/>
-          <a:ext cx="0" cy="0"/>
-          <a:chOff x="0" y="0"/>
-          <a:chExt cx="0" cy="0"/>
-        </a:xfrm>
-      </p:grpSpPr>
-      <p:sp>
-        <p:nvSpPr>
           <p:cNvPr id="2" name="Title 1"/>
           <p:cNvSpPr>
             <a:spLocks noGrp="1"/>
@@ -6720,7 +6620,7 @@
             <a:fld id="{B8DACC02-A2BD-4578-8E03-6D891060A695}" type="slidenum">
               <a:rPr lang="en-US" smtClean="0"/>
               <a:pPr/>
-              <a:t>27</a:t>
+              <a:t>26</a:t>
             </a:fld>
             <a:endParaRPr lang="en-US" dirty="0"/>
           </a:p>
@@ -6822,8 +6722,12 @@
               <a:t>This </a:t>
             </a:r>
             <a:r>
-              <a:rPr lang="en-US" dirty="0"/>
-              <a:t>percentage, which is displayed in a code coverage report, is formed through the branches, statements, functions and lines of code covered by a test suite. </a:t>
+              <a:rPr lang="en-US" dirty="0" smtClean="0"/>
+              <a:t>percentage </a:t>
+            </a:r>
+            <a:r>
+              <a:rPr lang="en-US" dirty="0"/>
+              <a:t>is formed through the branches, statements, functions and lines of code covered by a test suite. </a:t>
             </a:r>
             <a:endParaRPr lang="en-US" dirty="0" smtClean="0"/>
           </a:p>
@@ -7102,8 +7006,20 @@
           <a:lstStyle/>
           <a:p>
             <a:r>
-              <a:rPr lang="en-US" dirty="0"/>
-              <a:t>The whole idea of a coverage report is that it can help developers identify what portions of their codebase is covered by unit tests. And visa versa. </a:t>
+              <a:rPr lang="en-US" dirty="0" smtClean="0"/>
+              <a:t>Coverage </a:t>
+            </a:r>
+            <a:r>
+              <a:rPr lang="en-US" dirty="0"/>
+              <a:t>report </a:t>
+            </a:r>
+            <a:r>
+              <a:rPr lang="en-US" dirty="0" smtClean="0"/>
+              <a:t>can </a:t>
+            </a:r>
+            <a:r>
+              <a:rPr lang="en-US" dirty="0"/>
+              <a:t>help developers identify what portions of their codebase is covered by unit tests. And visa versa. </a:t>
             </a:r>
             <a:endParaRPr lang="en-US" dirty="0" smtClean="0"/>
           </a:p>
@@ -7489,7 +7405,6 @@
           <a:bodyPr/>
           <a:lstStyle/>
           <a:p>
-            <a:pPr lvl="1"/>
             <a:r>
               <a:rPr lang="en-US" dirty="0" smtClean="0"/>
               <a:t>A </a:t>
@@ -7500,21 +7415,18 @@
             </a:r>
           </a:p>
           <a:p>
-            <a:pPr lvl="1"/>
             <a:r>
               <a:rPr lang="en-US" dirty="0"/>
               <a:t>A target coverage threshold should not take the place of code reviews.</a:t>
             </a:r>
           </a:p>
           <a:p>
-            <a:pPr lvl="1"/>
             <a:r>
               <a:rPr lang="en-US" dirty="0"/>
               <a:t>Instead of putting most of the focus on a high percentage of code coverage, developers should understand ( and experience ) the incredible value of well-formed tests.</a:t>
             </a:r>
           </a:p>
           <a:p>
-            <a:pPr lvl="1"/>
             <a:r>
               <a:rPr lang="en-US" dirty="0"/>
               <a:t>TDD, by definition, should allow developers to attain high coverage percentages</a:t>
